--- a/Documentação/Apresentação/Sistema de Agendamento.pptx
+++ b/Documentação/Apresentação/Sistema de Agendamento.pptx
@@ -6,6 +6,14 @@
   </p:sldMasterIdLst>
   <p:sldIdLst>
     <p:sldId id="256" r:id="rId2"/>
+    <p:sldId id="257" r:id="rId3"/>
+    <p:sldId id="262" r:id="rId4"/>
+    <p:sldId id="263" r:id="rId5"/>
+    <p:sldId id="259" r:id="rId6"/>
+    <p:sldId id="261" r:id="rId7"/>
+    <p:sldId id="264" r:id="rId8"/>
+    <p:sldId id="260" r:id="rId9"/>
+    <p:sldId id="265" r:id="rId10"/>
   </p:sldIdLst>
   <p:sldSz cx="12192000" cy="6858000"/>
   <p:notesSz cx="6858000" cy="9144000"/>
@@ -104,6 +112,11 @@
       </a:defRPr>
     </a:lvl9pPr>
   </p:defaultTextStyle>
+  <p:extLst>
+    <p:ext uri="{EFAFB233-063F-42B5-8137-9DF3F51BA10A}">
+      <p15:sldGuideLst xmlns:p15="http://schemas.microsoft.com/office/powerpoint/2012/main"/>
+    </p:ext>
+  </p:extLst>
 </p:presentation>
 </file>
 
@@ -5888,11 +5901,23 @@
           <a:bodyPr/>
           <a:lstStyle/>
           <a:p>
+            <a:pPr algn="ctr"/>
             <a:r>
               <a:rPr lang="pt-BR" dirty="0" smtClean="0"/>
-              <a:t>Sistema de Agendamento</a:t>
-            </a:r>
-            <a:endParaRPr lang="pt-BR" dirty="0"/>
+              <a:t>Sistema de </a:t>
+            </a:r>
+            <a:r>
+              <a:rPr lang="pt-BR" dirty="0" smtClean="0"/>
+              <a:t>Agendamento</a:t>
+            </a:r>
+            <a:br>
+              <a:rPr lang="pt-BR" dirty="0" smtClean="0"/>
+            </a:br>
+            <a:r>
+              <a:rPr lang="pt-BR" sz="4000" dirty="0" smtClean="0"/>
+              <a:t>Time B</a:t>
+            </a:r>
+            <a:endParaRPr lang="pt-BR" sz="4000" dirty="0"/>
           </a:p>
         </p:txBody>
       </p:sp>
@@ -5971,6 +5996,36 @@
           </a:p>
         </p:txBody>
       </p:sp>
+      <p:pic>
+        <p:nvPicPr>
+          <p:cNvPr id="4" name="Imagem 3"/>
+          <p:cNvPicPr>
+            <a:picLocks noChangeAspect="1"/>
+          </p:cNvPicPr>
+          <p:nvPr/>
+        </p:nvPicPr>
+        <p:blipFill>
+          <a:blip r:embed="rId2">
+            <a:extLst>
+              <a:ext uri="{28A0092B-C50C-407E-A947-70E740481C1C}">
+                <a14:useLocalDpi xmlns:a14="http://schemas.microsoft.com/office/drawing/2010/main" val="0"/>
+              </a:ext>
+            </a:extLst>
+          </a:blip>
+          <a:stretch>
+            <a:fillRect/>
+          </a:stretch>
+        </p:blipFill>
+        <p:spPr>
+          <a:xfrm>
+            <a:off x="7677781" y="161797"/>
+            <a:ext cx="1524347" cy="1511644"/>
+          </a:xfrm>
+          <a:prstGeom prst="rect">
+            <a:avLst/>
+          </a:prstGeom>
+        </p:spPr>
+      </p:pic>
     </p:spTree>
     <p:extLst>
       <p:ext uri="{BB962C8B-B14F-4D97-AF65-F5344CB8AC3E}">
@@ -5988,6 +6043,1705 @@
       </p:par>
     </p:tnLst>
   </p:timing>
+</p:sld>
+</file>
+
+<file path=ppt/slides/slide2.xml><?xml version="1.0" encoding="utf-8"?>
+<p:sld xmlns:a="http://schemas.openxmlformats.org/drawingml/2006/main" xmlns:r="http://schemas.openxmlformats.org/officeDocument/2006/relationships" xmlns:p="http://schemas.openxmlformats.org/presentationml/2006/main">
+  <p:cSld>
+    <p:spTree>
+      <p:nvGrpSpPr>
+        <p:cNvPr id="1" name=""/>
+        <p:cNvGrpSpPr/>
+        <p:nvPr/>
+      </p:nvGrpSpPr>
+      <p:grpSpPr>
+        <a:xfrm>
+          <a:off x="0" y="0"/>
+          <a:ext cx="0" cy="0"/>
+          <a:chOff x="0" y="0"/>
+          <a:chExt cx="0" cy="0"/>
+        </a:xfrm>
+      </p:grpSpPr>
+      <p:sp>
+        <p:nvSpPr>
+          <p:cNvPr id="2" name="Título 1"/>
+          <p:cNvSpPr>
+            <a:spLocks noGrp="1"/>
+          </p:cNvSpPr>
+          <p:nvPr>
+            <p:ph type="title"/>
+          </p:nvPr>
+        </p:nvSpPr>
+        <p:spPr/>
+        <p:txBody>
+          <a:bodyPr/>
+          <a:lstStyle/>
+          <a:p>
+            <a:r>
+              <a:rPr lang="pt-BR" dirty="0" smtClean="0"/>
+              <a:t>Introdução</a:t>
+            </a:r>
+            <a:endParaRPr lang="pt-BR" dirty="0"/>
+          </a:p>
+        </p:txBody>
+      </p:sp>
+      <p:sp>
+        <p:nvSpPr>
+          <p:cNvPr id="3" name="Espaço Reservado para Conteúdo 2"/>
+          <p:cNvSpPr>
+            <a:spLocks noGrp="1"/>
+          </p:cNvSpPr>
+          <p:nvPr>
+            <p:ph idx="1"/>
+          </p:nvPr>
+        </p:nvSpPr>
+        <p:spPr/>
+        <p:txBody>
+          <a:bodyPr/>
+          <a:lstStyle/>
+          <a:p>
+            <a:r>
+              <a:rPr lang="pt-BR" dirty="0" smtClean="0"/>
+              <a:t>Sistema de Agendamento para alunos de uma determinada instituição, </a:t>
+            </a:r>
+            <a:endParaRPr lang="pt-BR" dirty="0"/>
+          </a:p>
+        </p:txBody>
+      </p:sp>
+      <p:pic>
+        <p:nvPicPr>
+          <p:cNvPr id="4" name="Imagem 3"/>
+          <p:cNvPicPr>
+            <a:picLocks noChangeAspect="1"/>
+          </p:cNvPicPr>
+          <p:nvPr/>
+        </p:nvPicPr>
+        <p:blipFill>
+          <a:blip r:embed="rId2">
+            <a:extLst>
+              <a:ext uri="{28A0092B-C50C-407E-A947-70E740481C1C}">
+                <a14:useLocalDpi xmlns:a14="http://schemas.microsoft.com/office/drawing/2010/main" val="0"/>
+              </a:ext>
+            </a:extLst>
+          </a:blip>
+          <a:stretch>
+            <a:fillRect/>
+          </a:stretch>
+        </p:blipFill>
+        <p:spPr>
+          <a:xfrm>
+            <a:off x="8739356" y="79409"/>
+            <a:ext cx="534646" cy="530191"/>
+          </a:xfrm>
+          <a:prstGeom prst="rect">
+            <a:avLst/>
+          </a:prstGeom>
+        </p:spPr>
+      </p:pic>
+    </p:spTree>
+    <p:extLst>
+      <p:ext uri="{BB962C8B-B14F-4D97-AF65-F5344CB8AC3E}">
+        <p14:creationId xmlns:p14="http://schemas.microsoft.com/office/powerpoint/2010/main" val="3455765430"/>
+      </p:ext>
+    </p:extLst>
+  </p:cSld>
+  <p:clrMapOvr>
+    <a:masterClrMapping/>
+  </p:clrMapOvr>
+  <p:timing>
+    <p:tnLst>
+      <p:par>
+        <p:cTn id="1" dur="indefinite" restart="never" nodeType="tmRoot"/>
+      </p:par>
+    </p:tnLst>
+  </p:timing>
+</p:sld>
+</file>
+
+<file path=ppt/slides/slide3.xml><?xml version="1.0" encoding="utf-8"?>
+<p:sld xmlns:a="http://schemas.openxmlformats.org/drawingml/2006/main" xmlns:r="http://schemas.openxmlformats.org/officeDocument/2006/relationships" xmlns:p="http://schemas.openxmlformats.org/presentationml/2006/main">
+  <p:cSld>
+    <p:spTree>
+      <p:nvGrpSpPr>
+        <p:cNvPr id="1" name=""/>
+        <p:cNvGrpSpPr/>
+        <p:nvPr/>
+      </p:nvGrpSpPr>
+      <p:grpSpPr>
+        <a:xfrm>
+          <a:off x="0" y="0"/>
+          <a:ext cx="0" cy="0"/>
+          <a:chOff x="0" y="0"/>
+          <a:chExt cx="0" cy="0"/>
+        </a:xfrm>
+      </p:grpSpPr>
+      <p:sp>
+        <p:nvSpPr>
+          <p:cNvPr id="2" name="Título 1"/>
+          <p:cNvSpPr>
+            <a:spLocks noGrp="1"/>
+          </p:cNvSpPr>
+          <p:nvPr>
+            <p:ph type="title"/>
+          </p:nvPr>
+        </p:nvSpPr>
+        <p:spPr/>
+        <p:txBody>
+          <a:bodyPr/>
+          <a:lstStyle/>
+          <a:p>
+            <a:r>
+              <a:rPr lang="pt-BR" dirty="0" smtClean="0"/>
+              <a:t>Banco de Dados</a:t>
+            </a:r>
+            <a:endParaRPr lang="pt-BR" dirty="0"/>
+          </a:p>
+        </p:txBody>
+      </p:sp>
+      <p:sp>
+        <p:nvSpPr>
+          <p:cNvPr id="5" name="Espaço Reservado para Conteúdo 4"/>
+          <p:cNvSpPr>
+            <a:spLocks noGrp="1"/>
+          </p:cNvSpPr>
+          <p:nvPr>
+            <p:ph idx="1"/>
+          </p:nvPr>
+        </p:nvSpPr>
+        <p:spPr>
+          <a:xfrm>
+            <a:off x="677334" y="1568161"/>
+            <a:ext cx="8596668" cy="3905360"/>
+          </a:xfrm>
+        </p:spPr>
+        <p:txBody>
+          <a:bodyPr/>
+          <a:lstStyle/>
+          <a:p>
+            <a:r>
+              <a:rPr lang="pt-BR" dirty="0" smtClean="0"/>
+              <a:t>Banco de dados MySQL</a:t>
+            </a:r>
+          </a:p>
+          <a:p>
+            <a:endParaRPr lang="pt-BR" dirty="0"/>
+          </a:p>
+        </p:txBody>
+      </p:sp>
+      <p:pic>
+        <p:nvPicPr>
+          <p:cNvPr id="6" name="Imagem 5"/>
+          <p:cNvPicPr>
+            <a:picLocks noChangeAspect="1"/>
+          </p:cNvPicPr>
+          <p:nvPr/>
+        </p:nvPicPr>
+        <p:blipFill>
+          <a:blip r:embed="rId2">
+            <a:extLst>
+              <a:ext uri="{28A0092B-C50C-407E-A947-70E740481C1C}">
+                <a14:useLocalDpi xmlns:a14="http://schemas.microsoft.com/office/drawing/2010/main" val="0"/>
+              </a:ext>
+            </a:extLst>
+          </a:blip>
+          <a:stretch>
+            <a:fillRect/>
+          </a:stretch>
+        </p:blipFill>
+        <p:spPr>
+          <a:xfrm>
+            <a:off x="1712066" y="2395377"/>
+            <a:ext cx="6796416" cy="2923598"/>
+          </a:xfrm>
+          <a:prstGeom prst="rect">
+            <a:avLst/>
+          </a:prstGeom>
+        </p:spPr>
+      </p:pic>
+    </p:spTree>
+    <p:extLst>
+      <p:ext uri="{BB962C8B-B14F-4D97-AF65-F5344CB8AC3E}">
+        <p14:creationId xmlns:p14="http://schemas.microsoft.com/office/powerpoint/2010/main" val="781133938"/>
+      </p:ext>
+    </p:extLst>
+  </p:cSld>
+  <p:clrMapOvr>
+    <a:masterClrMapping/>
+  </p:clrMapOvr>
+  <p:timing>
+    <p:tnLst>
+      <p:par>
+        <p:cTn id="1" dur="indefinite" restart="never" nodeType="tmRoot"/>
+      </p:par>
+    </p:tnLst>
+  </p:timing>
+</p:sld>
+</file>
+
+<file path=ppt/slides/slide4.xml><?xml version="1.0" encoding="utf-8"?>
+<p:sld xmlns:a="http://schemas.openxmlformats.org/drawingml/2006/main" xmlns:r="http://schemas.openxmlformats.org/officeDocument/2006/relationships" xmlns:p="http://schemas.openxmlformats.org/presentationml/2006/main">
+  <p:cSld>
+    <p:spTree>
+      <p:nvGrpSpPr>
+        <p:cNvPr id="1" name=""/>
+        <p:cNvGrpSpPr/>
+        <p:nvPr/>
+      </p:nvGrpSpPr>
+      <p:grpSpPr>
+        <a:xfrm>
+          <a:off x="0" y="0"/>
+          <a:ext cx="0" cy="0"/>
+          <a:chOff x="0" y="0"/>
+          <a:chExt cx="0" cy="0"/>
+        </a:xfrm>
+      </p:grpSpPr>
+      <p:sp>
+        <p:nvSpPr>
+          <p:cNvPr id="2" name="Título 1"/>
+          <p:cNvSpPr>
+            <a:spLocks noGrp="1"/>
+          </p:cNvSpPr>
+          <p:nvPr>
+            <p:ph type="title"/>
+          </p:nvPr>
+        </p:nvSpPr>
+        <p:spPr/>
+        <p:txBody>
+          <a:bodyPr/>
+          <a:lstStyle/>
+          <a:p>
+            <a:r>
+              <a:rPr lang="pt-BR" dirty="0" smtClean="0"/>
+              <a:t>Frameworks e Bibliotecas</a:t>
+            </a:r>
+            <a:endParaRPr lang="pt-BR" dirty="0"/>
+          </a:p>
+        </p:txBody>
+      </p:sp>
+      <p:sp>
+        <p:nvSpPr>
+          <p:cNvPr id="3" name="Espaço Reservado para Conteúdo 2"/>
+          <p:cNvSpPr>
+            <a:spLocks noGrp="1"/>
+          </p:cNvSpPr>
+          <p:nvPr>
+            <p:ph idx="1"/>
+          </p:nvPr>
+        </p:nvSpPr>
+        <p:spPr>
+          <a:xfrm>
+            <a:off x="677334" y="1455313"/>
+            <a:ext cx="8596668" cy="4586049"/>
+          </a:xfrm>
+        </p:spPr>
+        <p:txBody>
+          <a:bodyPr/>
+          <a:lstStyle/>
+          <a:p>
+            <a:r>
+              <a:rPr lang="pt-BR" dirty="0" smtClean="0"/>
+              <a:t>Visual Basic</a:t>
+            </a:r>
+          </a:p>
+          <a:p>
+            <a:pPr>
+              <a:buFont typeface="Wingdings" panose="05000000000000000000" pitchFamily="2" charset="2"/>
+              <a:buChar char="ü"/>
+            </a:pPr>
+            <a:r>
+              <a:rPr lang="pt-BR" dirty="0" smtClean="0"/>
+              <a:t>	</a:t>
+            </a:r>
+            <a:r>
+              <a:rPr lang="pt-BR" sz="1300" dirty="0" smtClean="0"/>
+              <a:t>MySQL </a:t>
+            </a:r>
+            <a:r>
+              <a:rPr lang="pt-BR" sz="1300" dirty="0" err="1" smtClean="0"/>
+              <a:t>Connector</a:t>
+            </a:r>
+            <a:endParaRPr lang="pt-BR" dirty="0"/>
+          </a:p>
+          <a:p>
+            <a:pPr>
+              <a:spcBef>
+                <a:spcPts val="1500"/>
+              </a:spcBef>
+            </a:pPr>
+            <a:r>
+              <a:rPr lang="pt-BR" dirty="0" smtClean="0"/>
+              <a:t>Java Web</a:t>
+            </a:r>
+          </a:p>
+          <a:p>
+            <a:pPr>
+              <a:buFont typeface="Wingdings" panose="05000000000000000000" pitchFamily="2" charset="2"/>
+              <a:buChar char="ü"/>
+            </a:pPr>
+            <a:r>
+              <a:rPr lang="pt-BR" sz="1300" dirty="0" err="1" smtClean="0"/>
+              <a:t>JavaServer</a:t>
+            </a:r>
+            <a:r>
+              <a:rPr lang="pt-BR" sz="1300" dirty="0" smtClean="0"/>
+              <a:t> Faces - JSF</a:t>
+            </a:r>
+            <a:endParaRPr lang="pt-BR" sz="1300" dirty="0"/>
+          </a:p>
+          <a:p>
+            <a:pPr>
+              <a:buFont typeface="Wingdings" panose="05000000000000000000" pitchFamily="2" charset="2"/>
+              <a:buChar char="ü"/>
+            </a:pPr>
+            <a:r>
+              <a:rPr lang="pt-BR" sz="1300" dirty="0" err="1" smtClean="0"/>
+              <a:t>PrimeFaces</a:t>
+            </a:r>
+            <a:endParaRPr lang="pt-BR" sz="1300" dirty="0" smtClean="0"/>
+          </a:p>
+          <a:p>
+            <a:pPr>
+              <a:spcBef>
+                <a:spcPts val="1500"/>
+              </a:spcBef>
+            </a:pPr>
+            <a:r>
+              <a:rPr lang="pt-BR" dirty="0" smtClean="0"/>
+              <a:t>Java Android</a:t>
+            </a:r>
+          </a:p>
+          <a:p>
+            <a:pPr>
+              <a:buFont typeface="Wingdings" panose="05000000000000000000" pitchFamily="2" charset="2"/>
+              <a:buChar char="ü"/>
+            </a:pPr>
+            <a:r>
+              <a:rPr lang="pt-BR" sz="1300" dirty="0" smtClean="0"/>
+              <a:t>Biblioteca Apache </a:t>
+            </a:r>
+            <a:r>
+              <a:rPr lang="pt-BR" sz="1300" dirty="0" err="1" smtClean="0"/>
+              <a:t>HttpClient</a:t>
+            </a:r>
+            <a:endParaRPr lang="pt-BR" sz="1300" dirty="0" smtClean="0"/>
+          </a:p>
+          <a:p>
+            <a:pPr>
+              <a:spcBef>
+                <a:spcPts val="1500"/>
+              </a:spcBef>
+            </a:pPr>
+            <a:r>
+              <a:rPr lang="pt-BR" dirty="0" smtClean="0"/>
+              <a:t>PHP</a:t>
+            </a:r>
+          </a:p>
+          <a:p>
+            <a:pPr>
+              <a:spcBef>
+                <a:spcPts val="1500"/>
+              </a:spcBef>
+              <a:buFont typeface="Wingdings" panose="05000000000000000000" pitchFamily="2" charset="2"/>
+              <a:buChar char="ü"/>
+            </a:pPr>
+            <a:r>
+              <a:rPr lang="pt-BR" sz="1300" dirty="0" err="1" smtClean="0"/>
+              <a:t>Codeigniter</a:t>
+            </a:r>
+            <a:endParaRPr lang="pt-BR" sz="1300" dirty="0" smtClean="0"/>
+          </a:p>
+          <a:p>
+            <a:pPr>
+              <a:spcBef>
+                <a:spcPts val="1500"/>
+              </a:spcBef>
+              <a:buFont typeface="Wingdings" panose="05000000000000000000" pitchFamily="2" charset="2"/>
+              <a:buChar char="ü"/>
+            </a:pPr>
+            <a:r>
+              <a:rPr lang="pt-BR" sz="1300" dirty="0" err="1" smtClean="0"/>
+              <a:t>Bootstrap</a:t>
+            </a:r>
+            <a:endParaRPr lang="pt-BR" sz="1300" dirty="0" smtClean="0"/>
+          </a:p>
+          <a:p>
+            <a:endParaRPr lang="pt-BR" dirty="0"/>
+          </a:p>
+        </p:txBody>
+      </p:sp>
+      <p:pic>
+        <p:nvPicPr>
+          <p:cNvPr id="4" name="Imagem 3"/>
+          <p:cNvPicPr>
+            <a:picLocks noChangeAspect="1"/>
+          </p:cNvPicPr>
+          <p:nvPr/>
+        </p:nvPicPr>
+        <p:blipFill>
+          <a:blip r:embed="rId2">
+            <a:extLst>
+              <a:ext uri="{28A0092B-C50C-407E-A947-70E740481C1C}">
+                <a14:useLocalDpi xmlns:a14="http://schemas.microsoft.com/office/drawing/2010/main" val="0"/>
+              </a:ext>
+            </a:extLst>
+          </a:blip>
+          <a:stretch>
+            <a:fillRect/>
+          </a:stretch>
+        </p:blipFill>
+        <p:spPr>
+          <a:xfrm>
+            <a:off x="3095483" y="4228814"/>
+            <a:ext cx="1519708" cy="1519708"/>
+          </a:xfrm>
+          <a:prstGeom prst="rect">
+            <a:avLst/>
+          </a:prstGeom>
+        </p:spPr>
+      </p:pic>
+      <p:pic>
+        <p:nvPicPr>
+          <p:cNvPr id="5" name="Imagem 4"/>
+          <p:cNvPicPr>
+            <a:picLocks noChangeAspect="1"/>
+          </p:cNvPicPr>
+          <p:nvPr/>
+        </p:nvPicPr>
+        <p:blipFill>
+          <a:blip r:embed="rId3">
+            <a:extLst>
+              <a:ext uri="{28A0092B-C50C-407E-A947-70E740481C1C}">
+                <a14:useLocalDpi xmlns:a14="http://schemas.microsoft.com/office/drawing/2010/main" val="0"/>
+              </a:ext>
+            </a:extLst>
+          </a:blip>
+          <a:stretch>
+            <a:fillRect/>
+          </a:stretch>
+        </p:blipFill>
+        <p:spPr>
+          <a:xfrm>
+            <a:off x="6479286" y="1466145"/>
+            <a:ext cx="2229476" cy="1114738"/>
+          </a:xfrm>
+          <a:prstGeom prst="rect">
+            <a:avLst/>
+          </a:prstGeom>
+        </p:spPr>
+      </p:pic>
+      <p:pic>
+        <p:nvPicPr>
+          <p:cNvPr id="6" name="Imagem 5"/>
+          <p:cNvPicPr>
+            <a:picLocks noChangeAspect="1"/>
+          </p:cNvPicPr>
+          <p:nvPr/>
+        </p:nvPicPr>
+        <p:blipFill>
+          <a:blip r:embed="rId4">
+            <a:extLst>
+              <a:ext uri="{28A0092B-C50C-407E-A947-70E740481C1C}">
+                <a14:useLocalDpi xmlns:a14="http://schemas.microsoft.com/office/drawing/2010/main" val="0"/>
+              </a:ext>
+            </a:extLst>
+          </a:blip>
+          <a:stretch>
+            <a:fillRect/>
+          </a:stretch>
+        </p:blipFill>
+        <p:spPr>
+          <a:xfrm>
+            <a:off x="3362351" y="2850333"/>
+            <a:ext cx="3962400" cy="1152525"/>
+          </a:xfrm>
+          <a:prstGeom prst="rect">
+            <a:avLst/>
+          </a:prstGeom>
+        </p:spPr>
+      </p:pic>
+      <p:pic>
+        <p:nvPicPr>
+          <p:cNvPr id="7" name="Imagem 6"/>
+          <p:cNvPicPr>
+            <a:picLocks noChangeAspect="1"/>
+          </p:cNvPicPr>
+          <p:nvPr/>
+        </p:nvPicPr>
+        <p:blipFill>
+          <a:blip r:embed="rId5">
+            <a:extLst>
+              <a:ext uri="{28A0092B-C50C-407E-A947-70E740481C1C}">
+                <a14:useLocalDpi xmlns:a14="http://schemas.microsoft.com/office/drawing/2010/main" val="0"/>
+              </a:ext>
+            </a:extLst>
+          </a:blip>
+          <a:stretch>
+            <a:fillRect/>
+          </a:stretch>
+        </p:blipFill>
+        <p:spPr>
+          <a:xfrm>
+            <a:off x="4766396" y="4705913"/>
+            <a:ext cx="1861802" cy="1042609"/>
+          </a:xfrm>
+          <a:prstGeom prst="rect">
+            <a:avLst/>
+          </a:prstGeom>
+        </p:spPr>
+      </p:pic>
+      <p:pic>
+        <p:nvPicPr>
+          <p:cNvPr id="8" name="Imagem 7"/>
+          <p:cNvPicPr>
+            <a:picLocks noChangeAspect="1"/>
+          </p:cNvPicPr>
+          <p:nvPr/>
+        </p:nvPicPr>
+        <p:blipFill>
+          <a:blip r:embed="rId6">
+            <a:extLst>
+              <a:ext uri="{28A0092B-C50C-407E-A947-70E740481C1C}">
+                <a14:useLocalDpi xmlns:a14="http://schemas.microsoft.com/office/drawing/2010/main" val="0"/>
+              </a:ext>
+            </a:extLst>
+          </a:blip>
+          <a:stretch>
+            <a:fillRect/>
+          </a:stretch>
+        </p:blipFill>
+        <p:spPr>
+          <a:xfrm>
+            <a:off x="3855337" y="1270000"/>
+            <a:ext cx="2533777" cy="1425249"/>
+          </a:xfrm>
+          <a:prstGeom prst="rect">
+            <a:avLst/>
+          </a:prstGeom>
+        </p:spPr>
+      </p:pic>
+      <p:pic>
+        <p:nvPicPr>
+          <p:cNvPr id="9" name="Imagem 8"/>
+          <p:cNvPicPr>
+            <a:picLocks noChangeAspect="1"/>
+          </p:cNvPicPr>
+          <p:nvPr/>
+        </p:nvPicPr>
+        <p:blipFill>
+          <a:blip r:embed="rId7">
+            <a:extLst>
+              <a:ext uri="{28A0092B-C50C-407E-A947-70E740481C1C}">
+                <a14:useLocalDpi xmlns:a14="http://schemas.microsoft.com/office/drawing/2010/main" val="0"/>
+              </a:ext>
+            </a:extLst>
+          </a:blip>
+          <a:stretch>
+            <a:fillRect/>
+          </a:stretch>
+        </p:blipFill>
+        <p:spPr>
+          <a:xfrm>
+            <a:off x="7376395" y="2836734"/>
+            <a:ext cx="2664733" cy="1316309"/>
+          </a:xfrm>
+          <a:prstGeom prst="rect">
+            <a:avLst/>
+          </a:prstGeom>
+        </p:spPr>
+      </p:pic>
+    </p:spTree>
+    <p:extLst>
+      <p:ext uri="{BB962C8B-B14F-4D97-AF65-F5344CB8AC3E}">
+        <p14:creationId xmlns:p14="http://schemas.microsoft.com/office/powerpoint/2010/main" val="952471805"/>
+      </p:ext>
+    </p:extLst>
+  </p:cSld>
+  <p:clrMapOvr>
+    <a:masterClrMapping/>
+  </p:clrMapOvr>
+  <p:timing>
+    <p:tnLst>
+      <p:par>
+        <p:cTn id="1" dur="indefinite" restart="never" nodeType="tmRoot"/>
+      </p:par>
+    </p:tnLst>
+  </p:timing>
+</p:sld>
+</file>
+
+<file path=ppt/slides/slide5.xml><?xml version="1.0" encoding="utf-8"?>
+<p:sld xmlns:a="http://schemas.openxmlformats.org/drawingml/2006/main" xmlns:r="http://schemas.openxmlformats.org/officeDocument/2006/relationships" xmlns:p="http://schemas.openxmlformats.org/presentationml/2006/main">
+  <p:cSld>
+    <p:spTree>
+      <p:nvGrpSpPr>
+        <p:cNvPr id="1" name=""/>
+        <p:cNvGrpSpPr/>
+        <p:nvPr/>
+      </p:nvGrpSpPr>
+      <p:grpSpPr>
+        <a:xfrm>
+          <a:off x="0" y="0"/>
+          <a:ext cx="0" cy="0"/>
+          <a:chOff x="0" y="0"/>
+          <a:chExt cx="0" cy="0"/>
+        </a:xfrm>
+      </p:grpSpPr>
+      <p:sp>
+        <p:nvSpPr>
+          <p:cNvPr id="2" name="Título 1"/>
+          <p:cNvSpPr>
+            <a:spLocks noGrp="1"/>
+          </p:cNvSpPr>
+          <p:nvPr>
+            <p:ph type="title"/>
+          </p:nvPr>
+        </p:nvSpPr>
+        <p:spPr/>
+        <p:txBody>
+          <a:bodyPr/>
+          <a:lstStyle/>
+          <a:p>
+            <a:r>
+              <a:rPr lang="pt-BR" dirty="0" smtClean="0"/>
+              <a:t>Funcionalidades</a:t>
+            </a:r>
+            <a:endParaRPr lang="pt-BR" dirty="0"/>
+          </a:p>
+        </p:txBody>
+      </p:sp>
+      <p:sp>
+        <p:nvSpPr>
+          <p:cNvPr id="3" name="Espaço Reservado para Conteúdo 2"/>
+          <p:cNvSpPr>
+            <a:spLocks noGrp="1"/>
+          </p:cNvSpPr>
+          <p:nvPr>
+            <p:ph idx="1"/>
+          </p:nvPr>
+        </p:nvSpPr>
+        <p:spPr>
+          <a:xfrm>
+            <a:off x="677334" y="1326524"/>
+            <a:ext cx="8596668" cy="4714839"/>
+          </a:xfrm>
+        </p:spPr>
+        <p:txBody>
+          <a:bodyPr/>
+          <a:lstStyle/>
+          <a:p>
+            <a:pPr>
+              <a:buFont typeface="Wingdings" panose="05000000000000000000" pitchFamily="2" charset="2"/>
+              <a:buChar char="Ø"/>
+            </a:pPr>
+            <a:r>
+              <a:rPr lang="pt-BR" b="1" dirty="0" smtClean="0"/>
+              <a:t>Visual Basic</a:t>
+            </a:r>
+            <a:endParaRPr lang="pt-BR" sz="1200" b="1" dirty="0" smtClean="0"/>
+          </a:p>
+          <a:p>
+            <a:pPr>
+              <a:buFont typeface="Wingdings" panose="05000000000000000000" pitchFamily="2" charset="2"/>
+              <a:buChar char="ü"/>
+            </a:pPr>
+            <a:r>
+              <a:rPr lang="pt-BR" sz="1300" dirty="0" smtClean="0"/>
+              <a:t>CRUD de usuário</a:t>
+            </a:r>
+          </a:p>
+          <a:p>
+            <a:pPr marL="0" indent="0">
+              <a:spcBef>
+                <a:spcPts val="500"/>
+              </a:spcBef>
+              <a:buNone/>
+            </a:pPr>
+            <a:r>
+              <a:rPr lang="pt-BR" sz="1300" dirty="0"/>
+              <a:t> </a:t>
+            </a:r>
+            <a:r>
+              <a:rPr lang="pt-BR" sz="1300" dirty="0" smtClean="0"/>
+              <a:t>    - Inserir</a:t>
+            </a:r>
+          </a:p>
+          <a:p>
+            <a:pPr marL="0" indent="0">
+              <a:spcBef>
+                <a:spcPts val="500"/>
+              </a:spcBef>
+              <a:buNone/>
+            </a:pPr>
+            <a:r>
+              <a:rPr lang="pt-BR" sz="1300" dirty="0" smtClean="0"/>
+              <a:t>     - Alterar</a:t>
+            </a:r>
+          </a:p>
+          <a:p>
+            <a:pPr marL="0" indent="0">
+              <a:spcBef>
+                <a:spcPts val="500"/>
+              </a:spcBef>
+              <a:buNone/>
+            </a:pPr>
+            <a:r>
+              <a:rPr lang="pt-BR" sz="1300" dirty="0" smtClean="0"/>
+              <a:t>     - Remover</a:t>
+            </a:r>
+            <a:r>
+              <a:rPr lang="pt-BR" sz="1200" dirty="0"/>
+              <a:t> </a:t>
+            </a:r>
+            <a:endParaRPr lang="pt-BR" sz="1200" dirty="0" smtClean="0"/>
+          </a:p>
+          <a:p>
+            <a:pPr marL="0" indent="0">
+              <a:spcBef>
+                <a:spcPts val="500"/>
+              </a:spcBef>
+              <a:buNone/>
+            </a:pPr>
+            <a:r>
+              <a:rPr lang="pt-BR" sz="1200" dirty="0"/>
+              <a:t> </a:t>
+            </a:r>
+            <a:r>
+              <a:rPr lang="pt-BR" sz="1200" dirty="0" smtClean="0"/>
+              <a:t>    </a:t>
+            </a:r>
+            <a:r>
+              <a:rPr lang="pt-BR" sz="1300" dirty="0" smtClean="0"/>
+              <a:t>- Listar usuários cadastrados.</a:t>
+            </a:r>
+            <a:endParaRPr lang="pt-BR" sz="1300" dirty="0"/>
+          </a:p>
+          <a:p>
+            <a:pPr marL="0" indent="0">
+              <a:spcBef>
+                <a:spcPts val="500"/>
+              </a:spcBef>
+              <a:buNone/>
+            </a:pPr>
+            <a:endParaRPr lang="pt-BR" sz="1300" dirty="0" smtClean="0"/>
+          </a:p>
+          <a:p>
+            <a:pPr>
+              <a:spcBef>
+                <a:spcPts val="500"/>
+              </a:spcBef>
+              <a:buFont typeface="Wingdings" panose="05000000000000000000" pitchFamily="2" charset="2"/>
+              <a:buChar char="ü"/>
+            </a:pPr>
+            <a:r>
+              <a:rPr lang="pt-BR" sz="1300" dirty="0" err="1" smtClean="0"/>
+              <a:t>Login</a:t>
+            </a:r>
+            <a:r>
+              <a:rPr lang="pt-BR" sz="1300" dirty="0" smtClean="0"/>
+              <a:t> de usuário (Funcionário).</a:t>
+            </a:r>
+            <a:endParaRPr lang="pt-BR" sz="1300" dirty="0"/>
+          </a:p>
+          <a:p>
+            <a:pPr>
+              <a:spcBef>
+                <a:spcPts val="500"/>
+              </a:spcBef>
+              <a:buFont typeface="Wingdings" panose="05000000000000000000" pitchFamily="2" charset="2"/>
+              <a:buChar char="ü"/>
+            </a:pPr>
+            <a:r>
+              <a:rPr lang="pt-BR" sz="1300" dirty="0" smtClean="0"/>
+              <a:t>Cadastro de horários </a:t>
+            </a:r>
+          </a:p>
+          <a:p>
+            <a:pPr>
+              <a:spcBef>
+                <a:spcPts val="500"/>
+              </a:spcBef>
+              <a:buFont typeface="Wingdings" panose="05000000000000000000" pitchFamily="2" charset="2"/>
+              <a:buChar char="ü"/>
+            </a:pPr>
+            <a:r>
+              <a:rPr lang="pt-BR" sz="1300" dirty="0" smtClean="0"/>
+              <a:t>Listar os horários cadastrados.</a:t>
+            </a:r>
+          </a:p>
+        </p:txBody>
+      </p:sp>
+      <p:pic>
+        <p:nvPicPr>
+          <p:cNvPr id="4" name="Imagem 3"/>
+          <p:cNvPicPr>
+            <a:picLocks noChangeAspect="1"/>
+          </p:cNvPicPr>
+          <p:nvPr/>
+        </p:nvPicPr>
+        <p:blipFill>
+          <a:blip r:embed="rId2">
+            <a:extLst>
+              <a:ext uri="{28A0092B-C50C-407E-A947-70E740481C1C}">
+                <a14:useLocalDpi xmlns:a14="http://schemas.microsoft.com/office/drawing/2010/main" val="0"/>
+              </a:ext>
+            </a:extLst>
+          </a:blip>
+          <a:stretch>
+            <a:fillRect/>
+          </a:stretch>
+        </p:blipFill>
+        <p:spPr>
+          <a:xfrm>
+            <a:off x="8739356" y="79409"/>
+            <a:ext cx="534646" cy="530191"/>
+          </a:xfrm>
+          <a:prstGeom prst="rect">
+            <a:avLst/>
+          </a:prstGeom>
+        </p:spPr>
+      </p:pic>
+    </p:spTree>
+    <p:extLst>
+      <p:ext uri="{BB962C8B-B14F-4D97-AF65-F5344CB8AC3E}">
+        <p14:creationId xmlns:p14="http://schemas.microsoft.com/office/powerpoint/2010/main" val="3441313561"/>
+      </p:ext>
+    </p:extLst>
+  </p:cSld>
+  <p:clrMapOvr>
+    <a:masterClrMapping/>
+  </p:clrMapOvr>
+  <p:timing>
+    <p:tnLst>
+      <p:par>
+        <p:cTn id="1" dur="indefinite" restart="never" nodeType="tmRoot"/>
+      </p:par>
+    </p:tnLst>
+  </p:timing>
+</p:sld>
+</file>
+
+<file path=ppt/slides/slide6.xml><?xml version="1.0" encoding="utf-8"?>
+<p:sld xmlns:a="http://schemas.openxmlformats.org/drawingml/2006/main" xmlns:r="http://schemas.openxmlformats.org/officeDocument/2006/relationships" xmlns:p="http://schemas.openxmlformats.org/presentationml/2006/main">
+  <p:cSld>
+    <p:spTree>
+      <p:nvGrpSpPr>
+        <p:cNvPr id="1" name=""/>
+        <p:cNvGrpSpPr/>
+        <p:nvPr/>
+      </p:nvGrpSpPr>
+      <p:grpSpPr>
+        <a:xfrm>
+          <a:off x="0" y="0"/>
+          <a:ext cx="0" cy="0"/>
+          <a:chOff x="0" y="0"/>
+          <a:chExt cx="0" cy="0"/>
+        </a:xfrm>
+      </p:grpSpPr>
+      <p:sp>
+        <p:nvSpPr>
+          <p:cNvPr id="2" name="Título 1"/>
+          <p:cNvSpPr>
+            <a:spLocks noGrp="1"/>
+          </p:cNvSpPr>
+          <p:nvPr>
+            <p:ph type="title"/>
+          </p:nvPr>
+        </p:nvSpPr>
+        <p:spPr/>
+        <p:txBody>
+          <a:bodyPr/>
+          <a:lstStyle/>
+          <a:p>
+            <a:r>
+              <a:rPr lang="pt-BR" dirty="0" smtClean="0"/>
+              <a:t>Funcionalidades</a:t>
+            </a:r>
+            <a:endParaRPr lang="pt-BR" dirty="0"/>
+          </a:p>
+        </p:txBody>
+      </p:sp>
+      <p:sp>
+        <p:nvSpPr>
+          <p:cNvPr id="3" name="Espaço Reservado para Conteúdo 2"/>
+          <p:cNvSpPr>
+            <a:spLocks noGrp="1"/>
+          </p:cNvSpPr>
+          <p:nvPr>
+            <p:ph idx="1"/>
+          </p:nvPr>
+        </p:nvSpPr>
+        <p:spPr>
+          <a:xfrm>
+            <a:off x="677334" y="1326524"/>
+            <a:ext cx="8596668" cy="4714839"/>
+          </a:xfrm>
+        </p:spPr>
+        <p:txBody>
+          <a:bodyPr/>
+          <a:lstStyle/>
+          <a:p>
+            <a:pPr>
+              <a:buFont typeface="Wingdings" panose="05000000000000000000" pitchFamily="2" charset="2"/>
+              <a:buChar char="Ø"/>
+            </a:pPr>
+            <a:r>
+              <a:rPr lang="pt-BR" b="1" dirty="0" smtClean="0"/>
+              <a:t>Java Web</a:t>
+            </a:r>
+            <a:endParaRPr lang="pt-BR" sz="1200" b="1" dirty="0" smtClean="0"/>
+          </a:p>
+          <a:p>
+            <a:pPr>
+              <a:buFont typeface="Wingdings" panose="05000000000000000000" pitchFamily="2" charset="2"/>
+              <a:buChar char="ü"/>
+            </a:pPr>
+            <a:r>
+              <a:rPr lang="pt-BR" sz="1300" dirty="0" err="1" smtClean="0"/>
+              <a:t>Login</a:t>
+            </a:r>
+            <a:r>
+              <a:rPr lang="pt-BR" sz="1300" dirty="0" smtClean="0"/>
+              <a:t> de usuário.</a:t>
+            </a:r>
+          </a:p>
+          <a:p>
+            <a:pPr>
+              <a:buFont typeface="Wingdings" panose="05000000000000000000" pitchFamily="2" charset="2"/>
+              <a:buChar char="ü"/>
+            </a:pPr>
+            <a:r>
+              <a:rPr lang="pt-BR" sz="1300" dirty="0" smtClean="0"/>
+              <a:t>Listar e filtrar horários cadastrados.</a:t>
+            </a:r>
+          </a:p>
+          <a:p>
+            <a:pPr>
+              <a:buFont typeface="Wingdings" panose="05000000000000000000" pitchFamily="2" charset="2"/>
+              <a:buChar char="ü"/>
+            </a:pPr>
+            <a:r>
+              <a:rPr lang="pt-BR" sz="1300" dirty="0" smtClean="0"/>
+              <a:t>Agendar o horário selecionado para o usuário em questão.</a:t>
+            </a:r>
+          </a:p>
+          <a:p>
+            <a:pPr marL="0" indent="0">
+              <a:spcBef>
+                <a:spcPts val="500"/>
+              </a:spcBef>
+              <a:buNone/>
+            </a:pPr>
+            <a:endParaRPr lang="pt-BR" sz="1300" dirty="0" smtClean="0"/>
+          </a:p>
+        </p:txBody>
+      </p:sp>
+      <p:pic>
+        <p:nvPicPr>
+          <p:cNvPr id="4" name="Imagem 3"/>
+          <p:cNvPicPr>
+            <a:picLocks noChangeAspect="1"/>
+          </p:cNvPicPr>
+          <p:nvPr/>
+        </p:nvPicPr>
+        <p:blipFill>
+          <a:blip r:embed="rId2">
+            <a:extLst>
+              <a:ext uri="{28A0092B-C50C-407E-A947-70E740481C1C}">
+                <a14:useLocalDpi xmlns:a14="http://schemas.microsoft.com/office/drawing/2010/main" val="0"/>
+              </a:ext>
+            </a:extLst>
+          </a:blip>
+          <a:stretch>
+            <a:fillRect/>
+          </a:stretch>
+        </p:blipFill>
+        <p:spPr>
+          <a:xfrm>
+            <a:off x="8739356" y="79409"/>
+            <a:ext cx="534646" cy="530191"/>
+          </a:xfrm>
+          <a:prstGeom prst="rect">
+            <a:avLst/>
+          </a:prstGeom>
+        </p:spPr>
+      </p:pic>
+    </p:spTree>
+    <p:extLst>
+      <p:ext uri="{BB962C8B-B14F-4D97-AF65-F5344CB8AC3E}">
+        <p14:creationId xmlns:p14="http://schemas.microsoft.com/office/powerpoint/2010/main" val="1945673635"/>
+      </p:ext>
+    </p:extLst>
+  </p:cSld>
+  <p:clrMapOvr>
+    <a:masterClrMapping/>
+  </p:clrMapOvr>
+  <p:timing>
+    <p:tnLst>
+      <p:par>
+        <p:cTn id="1" dur="indefinite" restart="never" nodeType="tmRoot"/>
+      </p:par>
+    </p:tnLst>
+  </p:timing>
+</p:sld>
+</file>
+
+<file path=ppt/slides/slide7.xml><?xml version="1.0" encoding="utf-8"?>
+<p:sld xmlns:a="http://schemas.openxmlformats.org/drawingml/2006/main" xmlns:r="http://schemas.openxmlformats.org/officeDocument/2006/relationships" xmlns:p="http://schemas.openxmlformats.org/presentationml/2006/main">
+  <p:cSld>
+    <p:spTree>
+      <p:nvGrpSpPr>
+        <p:cNvPr id="1" name=""/>
+        <p:cNvGrpSpPr/>
+        <p:nvPr/>
+      </p:nvGrpSpPr>
+      <p:grpSpPr>
+        <a:xfrm>
+          <a:off x="0" y="0"/>
+          <a:ext cx="0" cy="0"/>
+          <a:chOff x="0" y="0"/>
+          <a:chExt cx="0" cy="0"/>
+        </a:xfrm>
+      </p:grpSpPr>
+      <p:sp>
+        <p:nvSpPr>
+          <p:cNvPr id="2" name="Título 1"/>
+          <p:cNvSpPr>
+            <a:spLocks noGrp="1"/>
+          </p:cNvSpPr>
+          <p:nvPr>
+            <p:ph type="title"/>
+          </p:nvPr>
+        </p:nvSpPr>
+        <p:spPr/>
+        <p:txBody>
+          <a:bodyPr/>
+          <a:lstStyle/>
+          <a:p>
+            <a:r>
+              <a:rPr lang="pt-BR" dirty="0" smtClean="0"/>
+              <a:t>Funcionalidades</a:t>
+            </a:r>
+            <a:endParaRPr lang="pt-BR" dirty="0"/>
+          </a:p>
+        </p:txBody>
+      </p:sp>
+      <p:sp>
+        <p:nvSpPr>
+          <p:cNvPr id="3" name="Espaço Reservado para Conteúdo 2"/>
+          <p:cNvSpPr>
+            <a:spLocks noGrp="1"/>
+          </p:cNvSpPr>
+          <p:nvPr>
+            <p:ph idx="1"/>
+          </p:nvPr>
+        </p:nvSpPr>
+        <p:spPr>
+          <a:xfrm>
+            <a:off x="677334" y="1326524"/>
+            <a:ext cx="8596668" cy="4714839"/>
+          </a:xfrm>
+        </p:spPr>
+        <p:txBody>
+          <a:bodyPr/>
+          <a:lstStyle/>
+          <a:p>
+            <a:pPr>
+              <a:buFont typeface="Wingdings" panose="05000000000000000000" pitchFamily="2" charset="2"/>
+              <a:buChar char="Ø"/>
+            </a:pPr>
+            <a:r>
+              <a:rPr lang="pt-BR" b="1" dirty="0" smtClean="0"/>
+              <a:t>Aplicativo Android</a:t>
+            </a:r>
+            <a:endParaRPr lang="pt-BR" sz="1200" b="1" dirty="0" smtClean="0"/>
+          </a:p>
+          <a:p>
+            <a:pPr>
+              <a:buFont typeface="Wingdings" panose="05000000000000000000" pitchFamily="2" charset="2"/>
+              <a:buChar char="ü"/>
+            </a:pPr>
+            <a:r>
+              <a:rPr lang="pt-BR" sz="1300" dirty="0" err="1" smtClean="0"/>
+              <a:t>Login</a:t>
+            </a:r>
+            <a:r>
+              <a:rPr lang="pt-BR" sz="1300" dirty="0" smtClean="0"/>
+              <a:t> de usuário.</a:t>
+            </a:r>
+          </a:p>
+          <a:p>
+            <a:pPr>
+              <a:buFont typeface="Wingdings" panose="05000000000000000000" pitchFamily="2" charset="2"/>
+              <a:buChar char="ü"/>
+            </a:pPr>
+            <a:r>
+              <a:rPr lang="pt-BR" sz="1300" dirty="0" smtClean="0"/>
+              <a:t>Listar dos agendamentos cadastrados pelo usuário</a:t>
+            </a:r>
+          </a:p>
+          <a:p>
+            <a:pPr>
+              <a:buFont typeface="Wingdings" panose="05000000000000000000" pitchFamily="2" charset="2"/>
+              <a:buChar char="ü"/>
+            </a:pPr>
+            <a:r>
+              <a:rPr lang="pt-BR" sz="1300" dirty="0" smtClean="0"/>
+              <a:t>Agendar o horário selecionado para o usuário em questão.</a:t>
+            </a:r>
+          </a:p>
+          <a:p>
+            <a:pPr marL="0" indent="0">
+              <a:spcBef>
+                <a:spcPts val="500"/>
+              </a:spcBef>
+              <a:buNone/>
+            </a:pPr>
+            <a:endParaRPr lang="pt-BR" sz="1300" dirty="0" smtClean="0"/>
+          </a:p>
+        </p:txBody>
+      </p:sp>
+      <p:pic>
+        <p:nvPicPr>
+          <p:cNvPr id="4" name="Imagem 3"/>
+          <p:cNvPicPr>
+            <a:picLocks noChangeAspect="1"/>
+          </p:cNvPicPr>
+          <p:nvPr/>
+        </p:nvPicPr>
+        <p:blipFill>
+          <a:blip r:embed="rId2">
+            <a:extLst>
+              <a:ext uri="{28A0092B-C50C-407E-A947-70E740481C1C}">
+                <a14:useLocalDpi xmlns:a14="http://schemas.microsoft.com/office/drawing/2010/main" val="0"/>
+              </a:ext>
+            </a:extLst>
+          </a:blip>
+          <a:stretch>
+            <a:fillRect/>
+          </a:stretch>
+        </p:blipFill>
+        <p:spPr>
+          <a:xfrm>
+            <a:off x="8739356" y="79409"/>
+            <a:ext cx="534646" cy="530191"/>
+          </a:xfrm>
+          <a:prstGeom prst="rect">
+            <a:avLst/>
+          </a:prstGeom>
+        </p:spPr>
+      </p:pic>
+    </p:spTree>
+    <p:extLst>
+      <p:ext uri="{BB962C8B-B14F-4D97-AF65-F5344CB8AC3E}">
+        <p14:creationId xmlns:p14="http://schemas.microsoft.com/office/powerpoint/2010/main" val="22534585"/>
+      </p:ext>
+    </p:extLst>
+  </p:cSld>
+  <p:clrMapOvr>
+    <a:masterClrMapping/>
+  </p:clrMapOvr>
+  <p:timing>
+    <p:tnLst>
+      <p:par>
+        <p:cTn id="1" dur="indefinite" restart="never" nodeType="tmRoot"/>
+      </p:par>
+    </p:tnLst>
+  </p:timing>
+</p:sld>
+</file>
+
+<file path=ppt/slides/slide8.xml><?xml version="1.0" encoding="utf-8"?>
+<p:sld xmlns:a="http://schemas.openxmlformats.org/drawingml/2006/main" xmlns:r="http://schemas.openxmlformats.org/officeDocument/2006/relationships" xmlns:p="http://schemas.openxmlformats.org/presentationml/2006/main">
+  <p:cSld>
+    <p:spTree>
+      <p:nvGrpSpPr>
+        <p:cNvPr id="1" name=""/>
+        <p:cNvGrpSpPr/>
+        <p:nvPr/>
+      </p:nvGrpSpPr>
+      <p:grpSpPr>
+        <a:xfrm>
+          <a:off x="0" y="0"/>
+          <a:ext cx="0" cy="0"/>
+          <a:chOff x="0" y="0"/>
+          <a:chExt cx="0" cy="0"/>
+        </a:xfrm>
+      </p:grpSpPr>
+      <p:sp>
+        <p:nvSpPr>
+          <p:cNvPr id="2" name="Título 1"/>
+          <p:cNvSpPr>
+            <a:spLocks noGrp="1"/>
+          </p:cNvSpPr>
+          <p:nvPr>
+            <p:ph type="title"/>
+          </p:nvPr>
+        </p:nvSpPr>
+        <p:spPr/>
+        <p:txBody>
+          <a:bodyPr/>
+          <a:lstStyle/>
+          <a:p>
+            <a:r>
+              <a:rPr lang="pt-BR" dirty="0" smtClean="0"/>
+              <a:t>Funcionalidades</a:t>
+            </a:r>
+            <a:endParaRPr lang="pt-BR" dirty="0"/>
+          </a:p>
+        </p:txBody>
+      </p:sp>
+      <p:sp>
+        <p:nvSpPr>
+          <p:cNvPr id="3" name="Espaço Reservado para Conteúdo 2"/>
+          <p:cNvSpPr>
+            <a:spLocks noGrp="1"/>
+          </p:cNvSpPr>
+          <p:nvPr>
+            <p:ph idx="1"/>
+          </p:nvPr>
+        </p:nvSpPr>
+        <p:spPr>
+          <a:xfrm>
+            <a:off x="677334" y="1326524"/>
+            <a:ext cx="8596668" cy="4714839"/>
+          </a:xfrm>
+        </p:spPr>
+        <p:txBody>
+          <a:bodyPr/>
+          <a:lstStyle/>
+          <a:p>
+            <a:pPr>
+              <a:buFont typeface="Wingdings" panose="05000000000000000000" pitchFamily="2" charset="2"/>
+              <a:buChar char="Ø"/>
+            </a:pPr>
+            <a:r>
+              <a:rPr lang="pt-BR" b="1" dirty="0" smtClean="0"/>
+              <a:t>Frente EAD - PHP</a:t>
+            </a:r>
+            <a:endParaRPr lang="pt-BR" sz="1200" b="1" dirty="0" smtClean="0"/>
+          </a:p>
+          <a:p>
+            <a:pPr>
+              <a:buFont typeface="Wingdings" panose="05000000000000000000" pitchFamily="2" charset="2"/>
+              <a:buChar char="ü"/>
+            </a:pPr>
+            <a:r>
+              <a:rPr lang="pt-BR" sz="1300" dirty="0" smtClean="0"/>
+              <a:t>Menu dinâmico </a:t>
+            </a:r>
+            <a:r>
+              <a:rPr lang="pt-BR" sz="1300" dirty="0"/>
+              <a:t>de acordo com o usuário </a:t>
+            </a:r>
+            <a:r>
+              <a:rPr lang="pt-BR" sz="1300" dirty="0" err="1"/>
+              <a:t>logado</a:t>
+            </a:r>
+            <a:r>
+              <a:rPr lang="pt-BR" sz="1300" dirty="0"/>
+              <a:t>. </a:t>
+            </a:r>
+            <a:endParaRPr lang="pt-BR" sz="1300" dirty="0" smtClean="0"/>
+          </a:p>
+          <a:p>
+            <a:pPr>
+              <a:buFont typeface="Wingdings" panose="05000000000000000000" pitchFamily="2" charset="2"/>
+              <a:buChar char="ü"/>
+            </a:pPr>
+            <a:r>
+              <a:rPr lang="pt-BR" sz="1300" dirty="0" smtClean="0"/>
+              <a:t>Três modos </a:t>
+            </a:r>
+            <a:r>
+              <a:rPr lang="pt-BR" sz="1300" dirty="0"/>
+              <a:t>de visualização dos objetos de aprendizagem (texto, </a:t>
+            </a:r>
+            <a:r>
+              <a:rPr lang="pt-BR" sz="1300" dirty="0" smtClean="0"/>
+              <a:t>vídeo </a:t>
+            </a:r>
+            <a:r>
+              <a:rPr lang="pt-BR" sz="1300" dirty="0"/>
+              <a:t>e </a:t>
+            </a:r>
+            <a:r>
+              <a:rPr lang="pt-BR" sz="1300" dirty="0" smtClean="0"/>
+              <a:t>áudio).</a:t>
+            </a:r>
+          </a:p>
+          <a:p>
+            <a:pPr>
+              <a:buFont typeface="Wingdings" panose="05000000000000000000" pitchFamily="2" charset="2"/>
+              <a:buChar char="ü"/>
+            </a:pPr>
+            <a:r>
+              <a:rPr lang="pt-BR" sz="1300" dirty="0" smtClean="0"/>
+              <a:t>Baixar </a:t>
+            </a:r>
+            <a:r>
+              <a:rPr lang="pt-BR" sz="1300" dirty="0"/>
+              <a:t>guia em </a:t>
+            </a:r>
+            <a:r>
+              <a:rPr lang="pt-BR" sz="1300" dirty="0" err="1" smtClean="0"/>
+              <a:t>pdf</a:t>
+            </a:r>
+            <a:r>
+              <a:rPr lang="pt-BR" sz="1300" dirty="0" smtClean="0"/>
+              <a:t>.</a:t>
+            </a:r>
+          </a:p>
+          <a:p>
+            <a:pPr>
+              <a:buFont typeface="Wingdings" panose="05000000000000000000" pitchFamily="2" charset="2"/>
+              <a:buChar char="ü"/>
+            </a:pPr>
+            <a:r>
+              <a:rPr lang="pt-BR" sz="1300" dirty="0" smtClean="0"/>
+              <a:t>Dois </a:t>
+            </a:r>
+            <a:r>
+              <a:rPr lang="pt-BR" sz="1300" dirty="0"/>
+              <a:t>tipos de </a:t>
+            </a:r>
+            <a:r>
+              <a:rPr lang="pt-BR" sz="1300" dirty="0" smtClean="0"/>
+              <a:t>avaliação.</a:t>
+            </a:r>
+          </a:p>
+          <a:p>
+            <a:pPr marL="0" indent="0" algn="just">
+              <a:spcBef>
+                <a:spcPts val="500"/>
+              </a:spcBef>
+              <a:buNone/>
+            </a:pPr>
+            <a:r>
+              <a:rPr lang="pt-BR" sz="1300" dirty="0"/>
+              <a:t> </a:t>
+            </a:r>
+            <a:r>
+              <a:rPr lang="pt-BR" sz="1300" dirty="0" smtClean="0"/>
+              <a:t>    - </a:t>
+            </a:r>
+            <a:r>
+              <a:rPr lang="pt-BR" sz="1300" dirty="0"/>
+              <a:t>Avaliação </a:t>
+            </a:r>
+            <a:r>
+              <a:rPr lang="pt-BR" sz="1300" dirty="0" smtClean="0"/>
+              <a:t>do guia</a:t>
+            </a:r>
+            <a:r>
+              <a:rPr lang="pt-BR" sz="1300" dirty="0"/>
+              <a:t>: Funcionalidade onde </a:t>
+            </a:r>
+            <a:r>
+              <a:rPr lang="pt-BR" sz="1300" dirty="0" smtClean="0"/>
+              <a:t>pode </a:t>
+            </a:r>
+            <a:r>
+              <a:rPr lang="pt-BR" sz="1300" dirty="0"/>
+              <a:t>avaliar se </a:t>
+            </a:r>
+            <a:r>
+              <a:rPr lang="pt-BR" sz="1300" dirty="0" smtClean="0"/>
+              <a:t>os objetos </a:t>
+            </a:r>
+            <a:r>
+              <a:rPr lang="pt-BR" sz="1300" dirty="0"/>
+              <a:t>de </a:t>
+            </a:r>
+            <a:r>
+              <a:rPr lang="pt-BR" sz="1300" dirty="0" smtClean="0"/>
+              <a:t>aprendizagem </a:t>
+            </a:r>
+            <a:r>
+              <a:rPr lang="pt-BR" sz="1300" dirty="0"/>
+              <a:t>foram úteis. </a:t>
+            </a:r>
+            <a:endParaRPr lang="pt-BR" sz="1300" dirty="0" smtClean="0"/>
+          </a:p>
+          <a:p>
+            <a:pPr marL="0" indent="0" algn="just">
+              <a:spcBef>
+                <a:spcPts val="500"/>
+              </a:spcBef>
+              <a:buNone/>
+            </a:pPr>
+            <a:r>
+              <a:rPr lang="pt-BR" sz="1300" dirty="0"/>
+              <a:t> </a:t>
+            </a:r>
+            <a:r>
+              <a:rPr lang="pt-BR" sz="1300" dirty="0" smtClean="0"/>
+              <a:t>    - Avaliação </a:t>
+            </a:r>
+            <a:r>
+              <a:rPr lang="pt-BR" sz="1300" dirty="0"/>
+              <a:t>do Agendamento: Funcionalidade onde você pode visualizar:</a:t>
+            </a:r>
+          </a:p>
+          <a:p>
+            <a:pPr marL="0" indent="0">
+              <a:spcBef>
+                <a:spcPts val="0"/>
+              </a:spcBef>
+              <a:buNone/>
+            </a:pPr>
+            <a:r>
+              <a:rPr lang="pt-BR" sz="1300" dirty="0" smtClean="0"/>
+              <a:t>	Número </a:t>
+            </a:r>
+            <a:r>
+              <a:rPr lang="pt-BR" sz="1300" dirty="0"/>
+              <a:t>de agendamentos</a:t>
+            </a:r>
+          </a:p>
+          <a:p>
+            <a:pPr marL="0" indent="0">
+              <a:spcBef>
+                <a:spcPts val="0"/>
+              </a:spcBef>
+              <a:buNone/>
+            </a:pPr>
+            <a:r>
+              <a:rPr lang="pt-BR" sz="1300" dirty="0" smtClean="0"/>
+              <a:t>	Número </a:t>
+            </a:r>
+            <a:r>
+              <a:rPr lang="pt-BR" sz="1300" dirty="0"/>
+              <a:t>de agendamentos avaliados</a:t>
+            </a:r>
+          </a:p>
+          <a:p>
+            <a:pPr marL="0" indent="0">
+              <a:spcBef>
+                <a:spcPts val="0"/>
+              </a:spcBef>
+              <a:buNone/>
+            </a:pPr>
+            <a:r>
+              <a:rPr lang="pt-BR" sz="1300" dirty="0" smtClean="0"/>
+              <a:t>	Número </a:t>
+            </a:r>
+            <a:r>
+              <a:rPr lang="pt-BR" sz="1300" dirty="0"/>
+              <a:t>de agendamentos não avaliados</a:t>
+            </a:r>
+          </a:p>
+          <a:p>
+            <a:pPr marL="0" indent="0">
+              <a:spcBef>
+                <a:spcPts val="0"/>
+              </a:spcBef>
+              <a:buNone/>
+            </a:pPr>
+            <a:r>
+              <a:rPr lang="pt-BR" sz="1300" dirty="0" smtClean="0"/>
+              <a:t>	Média </a:t>
+            </a:r>
+            <a:r>
+              <a:rPr lang="pt-BR" sz="1300" dirty="0"/>
+              <a:t>das </a:t>
+            </a:r>
+            <a:r>
+              <a:rPr lang="pt-BR" sz="1300" dirty="0" smtClean="0"/>
+              <a:t>avaliações</a:t>
+            </a:r>
+          </a:p>
+          <a:p>
+            <a:pPr marL="0" indent="0">
+              <a:spcBef>
+                <a:spcPts val="0"/>
+              </a:spcBef>
+              <a:buNone/>
+            </a:pPr>
+            <a:endParaRPr lang="pt-BR" sz="1300" dirty="0" smtClean="0"/>
+          </a:p>
+          <a:p>
+            <a:pPr>
+              <a:spcBef>
+                <a:spcPts val="0"/>
+              </a:spcBef>
+              <a:buFont typeface="Wingdings" panose="05000000000000000000" pitchFamily="2" charset="2"/>
+              <a:buChar char="ü"/>
+            </a:pPr>
+            <a:r>
+              <a:rPr lang="pt-BR" sz="1300" dirty="0"/>
+              <a:t>Acessibilidade: Funcionalidade que dá acesso à pessoas com algum tipo de necessidade </a:t>
+            </a:r>
+            <a:r>
+              <a:rPr lang="pt-BR" sz="1300" dirty="0" smtClean="0"/>
+              <a:t>especial.</a:t>
+            </a:r>
+            <a:endParaRPr lang="pt-BR" sz="1300" dirty="0"/>
+          </a:p>
+          <a:p>
+            <a:pPr marL="0" indent="0">
+              <a:spcBef>
+                <a:spcPts val="500"/>
+              </a:spcBef>
+              <a:buNone/>
+            </a:pPr>
+            <a:r>
+              <a:rPr lang="pt-BR" sz="1300" dirty="0"/>
+              <a:t> </a:t>
+            </a:r>
+            <a:r>
+              <a:rPr lang="pt-BR" sz="1300" dirty="0" smtClean="0"/>
+              <a:t>    - </a:t>
+            </a:r>
+            <a:r>
+              <a:rPr lang="pt-BR" sz="1300" dirty="0"/>
+              <a:t>Pode-se aumentar ou diminuir o tamanho da letra do texto da página clicando nos seguintes botões:</a:t>
+            </a:r>
+          </a:p>
+          <a:p>
+            <a:pPr marL="0" indent="0">
+              <a:spcBef>
+                <a:spcPts val="500"/>
+              </a:spcBef>
+              <a:buNone/>
+            </a:pPr>
+            <a:r>
+              <a:rPr lang="pt-BR" sz="1300" dirty="0"/>
+              <a:t>     - Aumentar tamanho  Aumentar fonte</a:t>
+            </a:r>
+          </a:p>
+          <a:p>
+            <a:pPr marL="0" indent="0">
+              <a:spcBef>
+                <a:spcPts val="500"/>
+              </a:spcBef>
+              <a:buNone/>
+            </a:pPr>
+            <a:r>
+              <a:rPr lang="pt-BR" sz="1300" dirty="0"/>
+              <a:t>     - Diminuir tamanho</a:t>
+            </a:r>
+            <a:endParaRPr lang="pt-BR" sz="1200" dirty="0" smtClean="0"/>
+          </a:p>
+          <a:p>
+            <a:pPr marL="0" indent="0">
+              <a:spcBef>
+                <a:spcPts val="0"/>
+              </a:spcBef>
+              <a:buNone/>
+            </a:pPr>
+            <a:endParaRPr lang="pt-BR" sz="1200" dirty="0" smtClean="0"/>
+          </a:p>
+        </p:txBody>
+      </p:sp>
+      <p:pic>
+        <p:nvPicPr>
+          <p:cNvPr id="4" name="Imagem 3"/>
+          <p:cNvPicPr>
+            <a:picLocks noChangeAspect="1"/>
+          </p:cNvPicPr>
+          <p:nvPr/>
+        </p:nvPicPr>
+        <p:blipFill>
+          <a:blip r:embed="rId2">
+            <a:extLst>
+              <a:ext uri="{28A0092B-C50C-407E-A947-70E740481C1C}">
+                <a14:useLocalDpi xmlns:a14="http://schemas.microsoft.com/office/drawing/2010/main" val="0"/>
+              </a:ext>
+            </a:extLst>
+          </a:blip>
+          <a:stretch>
+            <a:fillRect/>
+          </a:stretch>
+        </p:blipFill>
+        <p:spPr>
+          <a:xfrm>
+            <a:off x="8739356" y="79409"/>
+            <a:ext cx="534646" cy="530191"/>
+          </a:xfrm>
+          <a:prstGeom prst="rect">
+            <a:avLst/>
+          </a:prstGeom>
+        </p:spPr>
+      </p:pic>
+    </p:spTree>
+    <p:extLst>
+      <p:ext uri="{BB962C8B-B14F-4D97-AF65-F5344CB8AC3E}">
+        <p14:creationId xmlns:p14="http://schemas.microsoft.com/office/powerpoint/2010/main" val="3026966954"/>
+      </p:ext>
+    </p:extLst>
+  </p:cSld>
+  <p:clrMapOvr>
+    <a:masterClrMapping/>
+  </p:clrMapOvr>
+  <p:timing>
+    <p:tnLst>
+      <p:par>
+        <p:cTn id="1" dur="indefinite" restart="never" nodeType="tmRoot"/>
+      </p:par>
+    </p:tnLst>
+  </p:timing>
+</p:sld>
+</file>
+
+<file path=ppt/slides/slide9.xml><?xml version="1.0" encoding="utf-8"?>
+<p:sld xmlns:a="http://schemas.openxmlformats.org/drawingml/2006/main" xmlns:r="http://schemas.openxmlformats.org/officeDocument/2006/relationships" xmlns:p="http://schemas.openxmlformats.org/presentationml/2006/main">
+  <p:cSld>
+    <p:spTree>
+      <p:nvGrpSpPr>
+        <p:cNvPr id="1" name=""/>
+        <p:cNvGrpSpPr/>
+        <p:nvPr/>
+      </p:nvGrpSpPr>
+      <p:grpSpPr>
+        <a:xfrm>
+          <a:off x="0" y="0"/>
+          <a:ext cx="0" cy="0"/>
+          <a:chOff x="0" y="0"/>
+          <a:chExt cx="0" cy="0"/>
+        </a:xfrm>
+      </p:grpSpPr>
+      <p:sp>
+        <p:nvSpPr>
+          <p:cNvPr id="2" name="Título 1"/>
+          <p:cNvSpPr>
+            <a:spLocks noGrp="1"/>
+          </p:cNvSpPr>
+          <p:nvPr>
+            <p:ph type="title"/>
+          </p:nvPr>
+        </p:nvSpPr>
+        <p:spPr>
+          <a:xfrm>
+            <a:off x="844760" y="2695978"/>
+            <a:ext cx="8596668" cy="1320800"/>
+          </a:xfrm>
+        </p:spPr>
+        <p:txBody>
+          <a:bodyPr>
+            <a:normAutofit/>
+          </a:bodyPr>
+          <a:lstStyle/>
+          <a:p>
+            <a:pPr algn="ctr"/>
+            <a:r>
+              <a:rPr lang="pt-BR" sz="6000" dirty="0" smtClean="0"/>
+              <a:t>Obrigado!!!</a:t>
+            </a:r>
+            <a:endParaRPr lang="pt-BR" sz="6000" dirty="0"/>
+          </a:p>
+        </p:txBody>
+      </p:sp>
+    </p:spTree>
+    <p:extLst>
+      <p:ext uri="{BB962C8B-B14F-4D97-AF65-F5344CB8AC3E}">
+        <p14:creationId xmlns:p14="http://schemas.microsoft.com/office/powerpoint/2010/main" val="386984023"/>
+      </p:ext>
+    </p:extLst>
+  </p:cSld>
+  <p:clrMapOvr>
+    <a:masterClrMapping/>
+  </p:clrMapOvr>
 </p:sld>
 </file>
 

--- a/Documentação/Apresentação/Sistema de Agendamento.pptx
+++ b/Documentação/Apresentação/Sistema de Agendamento.pptx
@@ -5904,11 +5904,7 @@
             <a:pPr algn="ctr"/>
             <a:r>
               <a:rPr lang="pt-BR" dirty="0" smtClean="0"/>
-              <a:t>Sistema de </a:t>
-            </a:r>
-            <a:r>
-              <a:rPr lang="pt-BR" dirty="0" smtClean="0"/>
-              <a:t>Agendamento</a:t>
+              <a:t>Sistema de Agendamento</a:t>
             </a:r>
             <a:br>
               <a:rPr lang="pt-BR" dirty="0" smtClean="0"/>
@@ -6101,10 +6097,50 @@
           <a:bodyPr/>
           <a:lstStyle/>
           <a:p>
+            <a:pPr algn="just"/>
             <a:r>
               <a:rPr lang="pt-BR" dirty="0" smtClean="0"/>
-              <a:t>Sistema de Agendamento para alunos de uma determinada instituição, </a:t>
-            </a:r>
+              <a:t>Sistema de Agendamento para </a:t>
+            </a:r>
+            <a:r>
+              <a:rPr lang="pt-BR" dirty="0" smtClean="0"/>
+              <a:t>alunos que visa melhorar o atendimento dentro da instituição e aprimorar </a:t>
+            </a:r>
+            <a:r>
+              <a:rPr lang="pt-BR" dirty="0" smtClean="0"/>
+              <a:t>o gerenciamento das atividades evitando longas esperas garantindo assim a satisfação dos clientes.</a:t>
+            </a:r>
+          </a:p>
+          <a:p>
+            <a:pPr algn="just"/>
+            <a:r>
+              <a:rPr lang="pt-BR" dirty="0" smtClean="0"/>
+              <a:t>Reduzir o tempo de espera</a:t>
+            </a:r>
+          </a:p>
+          <a:p>
+            <a:pPr algn="just"/>
+            <a:r>
+              <a:rPr lang="pt-BR" dirty="0" smtClean="0"/>
+              <a:t>Reduzir as filas.</a:t>
+            </a:r>
+          </a:p>
+          <a:p>
+            <a:pPr algn="just"/>
+            <a:r>
+              <a:rPr lang="pt-BR" dirty="0" smtClean="0"/>
+              <a:t>Aumentar o total de atendimentos</a:t>
+            </a:r>
+          </a:p>
+          <a:p>
+            <a:pPr algn="just"/>
+            <a:r>
+              <a:rPr lang="pt-BR" dirty="0" smtClean="0"/>
+              <a:t>Aumentar a satisfação do cliente</a:t>
+            </a:r>
+          </a:p>
+          <a:p>
+            <a:pPr algn="just"/>
             <a:endParaRPr lang="pt-BR" dirty="0"/>
           </a:p>
         </p:txBody>
@@ -6385,7 +6421,19 @@
             </a:r>
             <a:r>
               <a:rPr lang="pt-BR" sz="1300" dirty="0" smtClean="0"/>
-              <a:t> Faces - JSF</a:t>
+              <a:t> Faces </a:t>
+            </a:r>
+            <a:r>
+              <a:rPr lang="pt-BR" sz="1300" dirty="0" smtClean="0"/>
+              <a:t>– JSF (</a:t>
+            </a:r>
+            <a:r>
+              <a:rPr lang="pt-BR" sz="1300" dirty="0" err="1" smtClean="0"/>
+              <a:t>Especicação</a:t>
+            </a:r>
+            <a:r>
+              <a:rPr lang="pt-BR" sz="1300" dirty="0" smtClean="0"/>
+              <a:t>)</a:t>
             </a:r>
             <a:endParaRPr lang="pt-BR" sz="1300" dirty="0"/>
           </a:p>
@@ -6394,6 +6442,10 @@
               <a:buFont typeface="Wingdings" panose="05000000000000000000" pitchFamily="2" charset="2"/>
               <a:buChar char="ü"/>
             </a:pPr>
+            <a:r>
+              <a:rPr lang="pt-BR" sz="1300" dirty="0" smtClean="0"/>
+              <a:t> Biblioteca </a:t>
+            </a:r>
             <a:r>
               <a:rPr lang="pt-BR" sz="1300" dirty="0" err="1" smtClean="0"/>
               <a:t>PrimeFaces</a:t>
@@ -6492,7 +6544,7 @@
         </p:blipFill>
         <p:spPr>
           <a:xfrm>
-            <a:off x="3095483" y="4228814"/>
+            <a:off x="3701310" y="3847774"/>
             <a:ext cx="1519708" cy="1519708"/>
           </a:xfrm>
           <a:prstGeom prst="rect">
@@ -6552,7 +6604,7 @@
         </p:blipFill>
         <p:spPr>
           <a:xfrm>
-            <a:off x="3362351" y="2850333"/>
+            <a:off x="3869429" y="2695249"/>
             <a:ext cx="3962400" cy="1152525"/>
           </a:xfrm>
           <a:prstGeom prst="rect">
@@ -6582,7 +6634,7 @@
         </p:blipFill>
         <p:spPr>
           <a:xfrm>
-            <a:off x="4766396" y="4705913"/>
+            <a:off x="5372223" y="4324873"/>
             <a:ext cx="1861802" cy="1042609"/>
           </a:xfrm>
           <a:prstGeom prst="rect">
@@ -6642,8 +6694,8 @@
         </p:blipFill>
         <p:spPr>
           <a:xfrm>
-            <a:off x="7376395" y="2836734"/>
-            <a:ext cx="2664733" cy="1316309"/>
+            <a:off x="7831829" y="2494820"/>
+            <a:ext cx="1917478" cy="1154391"/>
           </a:xfrm>
           <a:prstGeom prst="rect">
             <a:avLst/>
